--- a/MCM/model_III/international_waters.pptx
+++ b/MCM/model_III/international_waters.pptx
@@ -8,7 +8,7 @@
     <p:sldId id="256" r:id="rId2"/>
     <p:sldId id="257" r:id="rId3"/>
   </p:sldIdLst>
-  <p:sldSz cx="9144000" cy="6858000" type="screen4x3"/>
+  <p:sldSz cx="12192000" cy="6858000"/>
   <p:notesSz cx="6858000" cy="9144000"/>
   <p:defaultTextStyle>
     <a:defPPr>
@@ -105,6 +105,11 @@
       </a:defRPr>
     </a:lvl9pPr>
   </p:defaultTextStyle>
+  <p:extLst>
+    <p:ext uri="{EFAFB233-063F-42B5-8137-9DF3F51BA10A}">
+      <p15:sldGuideLst xmlns:p15="http://schemas.microsoft.com/office/powerpoint/2012/main"/>
+    </p:ext>
+  </p:extLst>
 </p:presentation>
 </file>
 
@@ -137,8 +142,8 @@
         </p:nvSpPr>
         <p:spPr>
           <a:xfrm>
-            <a:off x="685800" y="1122363"/>
-            <a:ext cx="7772400" cy="2387600"/>
+            <a:off x="914400" y="1122363"/>
+            <a:ext cx="10363200" cy="2387600"/>
           </a:xfrm>
         </p:spPr>
         <p:txBody>
@@ -169,8 +174,8 @@
         </p:nvSpPr>
         <p:spPr>
           <a:xfrm>
-            <a:off x="1143000" y="3602038"/>
-            <a:ext cx="6858000" cy="1655762"/>
+            <a:off x="1524000" y="3602038"/>
+            <a:ext cx="9144000" cy="1655762"/>
           </a:xfrm>
         </p:spPr>
         <p:txBody>
@@ -239,7 +244,7 @@
           <a:p>
             <a:fld id="{118AF882-9C58-8E41-8DB4-7C3CEEEA63E2}" type="datetimeFigureOut">
               <a:rPr lang="en-US" smtClean="0"/>
-              <a:t>6/15/20</a:t>
+              <a:t>6/16/20</a:t>
             </a:fld>
             <a:endParaRPr lang="en-US"/>
           </a:p>
@@ -409,7 +414,7 @@
           <a:p>
             <a:fld id="{118AF882-9C58-8E41-8DB4-7C3CEEEA63E2}" type="datetimeFigureOut">
               <a:rPr lang="en-US" smtClean="0"/>
-              <a:t>6/15/20</a:t>
+              <a:t>6/16/20</a:t>
             </a:fld>
             <a:endParaRPr lang="en-US"/>
           </a:p>
@@ -499,8 +504,8 @@
         </p:nvSpPr>
         <p:spPr>
           <a:xfrm>
-            <a:off x="6543675" y="365125"/>
-            <a:ext cx="1971675" cy="5811838"/>
+            <a:off x="8724901" y="365125"/>
+            <a:ext cx="2628900" cy="5811838"/>
           </a:xfrm>
         </p:spPr>
         <p:txBody>
@@ -527,8 +532,8 @@
         </p:nvSpPr>
         <p:spPr>
           <a:xfrm>
-            <a:off x="628650" y="365125"/>
-            <a:ext cx="5800725" cy="5811838"/>
+            <a:off x="838201" y="365125"/>
+            <a:ext cx="7734300" cy="5811838"/>
           </a:xfrm>
         </p:spPr>
         <p:txBody>
@@ -589,7 +594,7 @@
           <a:p>
             <a:fld id="{118AF882-9C58-8E41-8DB4-7C3CEEEA63E2}" type="datetimeFigureOut">
               <a:rPr lang="en-US" smtClean="0"/>
-              <a:t>6/15/20</a:t>
+              <a:t>6/16/20</a:t>
             </a:fld>
             <a:endParaRPr lang="en-US"/>
           </a:p>
@@ -759,7 +764,7 @@
           <a:p>
             <a:fld id="{118AF882-9C58-8E41-8DB4-7C3CEEEA63E2}" type="datetimeFigureOut">
               <a:rPr lang="en-US" smtClean="0"/>
-              <a:t>6/15/20</a:t>
+              <a:t>6/16/20</a:t>
             </a:fld>
             <a:endParaRPr lang="en-US"/>
           </a:p>
@@ -849,8 +854,8 @@
         </p:nvSpPr>
         <p:spPr>
           <a:xfrm>
-            <a:off x="623888" y="1709739"/>
-            <a:ext cx="7886700" cy="2852737"/>
+            <a:off x="831851" y="1709740"/>
+            <a:ext cx="10515600" cy="2852737"/>
           </a:xfrm>
         </p:spPr>
         <p:txBody>
@@ -881,8 +886,8 @@
         </p:nvSpPr>
         <p:spPr>
           <a:xfrm>
-            <a:off x="623888" y="4589464"/>
-            <a:ext cx="7886700" cy="1500187"/>
+            <a:off x="831851" y="4589465"/>
+            <a:ext cx="10515600" cy="1500187"/>
           </a:xfrm>
         </p:spPr>
         <p:txBody>
@@ -1003,7 +1008,7 @@
           <a:p>
             <a:fld id="{118AF882-9C58-8E41-8DB4-7C3CEEEA63E2}" type="datetimeFigureOut">
               <a:rPr lang="en-US" smtClean="0"/>
-              <a:t>6/15/20</a:t>
+              <a:t>6/16/20</a:t>
             </a:fld>
             <a:endParaRPr lang="en-US"/>
           </a:p>
@@ -1116,8 +1121,8 @@
         </p:nvSpPr>
         <p:spPr>
           <a:xfrm>
-            <a:off x="628650" y="1825625"/>
-            <a:ext cx="3886200" cy="4351338"/>
+            <a:off x="838200" y="1825625"/>
+            <a:ext cx="5181600" cy="4351338"/>
           </a:xfrm>
         </p:spPr>
         <p:txBody>
@@ -1173,8 +1178,8 @@
         </p:nvSpPr>
         <p:spPr>
           <a:xfrm>
-            <a:off x="4629150" y="1825625"/>
-            <a:ext cx="3886200" cy="4351338"/>
+            <a:off x="6172200" y="1825625"/>
+            <a:ext cx="5181600" cy="4351338"/>
           </a:xfrm>
         </p:spPr>
         <p:txBody>
@@ -1235,7 +1240,7 @@
           <a:p>
             <a:fld id="{118AF882-9C58-8E41-8DB4-7C3CEEEA63E2}" type="datetimeFigureOut">
               <a:rPr lang="en-US" smtClean="0"/>
-              <a:t>6/15/20</a:t>
+              <a:t>6/16/20</a:t>
             </a:fld>
             <a:endParaRPr lang="en-US"/>
           </a:p>
@@ -1325,8 +1330,8 @@
         </p:nvSpPr>
         <p:spPr>
           <a:xfrm>
-            <a:off x="629841" y="365126"/>
-            <a:ext cx="7886700" cy="1325563"/>
+            <a:off x="839788" y="365127"/>
+            <a:ext cx="10515600" cy="1325563"/>
           </a:xfrm>
         </p:spPr>
         <p:txBody>
@@ -1353,8 +1358,8 @@
         </p:nvSpPr>
         <p:spPr>
           <a:xfrm>
-            <a:off x="629842" y="1681163"/>
-            <a:ext cx="3868340" cy="823912"/>
+            <a:off x="839789" y="1681163"/>
+            <a:ext cx="5157787" cy="823912"/>
           </a:xfrm>
         </p:spPr>
         <p:txBody>
@@ -1418,8 +1423,8 @@
         </p:nvSpPr>
         <p:spPr>
           <a:xfrm>
-            <a:off x="629842" y="2505075"/>
-            <a:ext cx="3868340" cy="3684588"/>
+            <a:off x="839789" y="2505075"/>
+            <a:ext cx="5157787" cy="3684588"/>
           </a:xfrm>
         </p:spPr>
         <p:txBody>
@@ -1475,8 +1480,8 @@
         </p:nvSpPr>
         <p:spPr>
           <a:xfrm>
-            <a:off x="4629150" y="1681163"/>
-            <a:ext cx="3887391" cy="823912"/>
+            <a:off x="6172201" y="1681163"/>
+            <a:ext cx="5183188" cy="823912"/>
           </a:xfrm>
         </p:spPr>
         <p:txBody>
@@ -1540,8 +1545,8 @@
         </p:nvSpPr>
         <p:spPr>
           <a:xfrm>
-            <a:off x="4629150" y="2505075"/>
-            <a:ext cx="3887391" cy="3684588"/>
+            <a:off x="6172201" y="2505075"/>
+            <a:ext cx="5183188" cy="3684588"/>
           </a:xfrm>
         </p:spPr>
         <p:txBody>
@@ -1602,7 +1607,7 @@
           <a:p>
             <a:fld id="{118AF882-9C58-8E41-8DB4-7C3CEEEA63E2}" type="datetimeFigureOut">
               <a:rPr lang="en-US" smtClean="0"/>
-              <a:t>6/15/20</a:t>
+              <a:t>6/16/20</a:t>
             </a:fld>
             <a:endParaRPr lang="en-US"/>
           </a:p>
@@ -1720,7 +1725,7 @@
           <a:p>
             <a:fld id="{118AF882-9C58-8E41-8DB4-7C3CEEEA63E2}" type="datetimeFigureOut">
               <a:rPr lang="en-US" smtClean="0"/>
-              <a:t>6/15/20</a:t>
+              <a:t>6/16/20</a:t>
             </a:fld>
             <a:endParaRPr lang="en-US"/>
           </a:p>
@@ -1815,7 +1820,7 @@
           <a:p>
             <a:fld id="{118AF882-9C58-8E41-8DB4-7C3CEEEA63E2}" type="datetimeFigureOut">
               <a:rPr lang="en-US" smtClean="0"/>
-              <a:t>6/15/20</a:t>
+              <a:t>6/16/20</a:t>
             </a:fld>
             <a:endParaRPr lang="en-US"/>
           </a:p>
@@ -1905,8 +1910,8 @@
         </p:nvSpPr>
         <p:spPr>
           <a:xfrm>
-            <a:off x="629841" y="457200"/>
-            <a:ext cx="2949178" cy="1600200"/>
+            <a:off x="839788" y="457200"/>
+            <a:ext cx="3932237" cy="1600200"/>
           </a:xfrm>
         </p:spPr>
         <p:txBody>
@@ -1937,8 +1942,8 @@
         </p:nvSpPr>
         <p:spPr>
           <a:xfrm>
-            <a:off x="3887391" y="987426"/>
-            <a:ext cx="4629150" cy="4873625"/>
+            <a:off x="5183188" y="987427"/>
+            <a:ext cx="6172200" cy="4873625"/>
           </a:xfrm>
         </p:spPr>
         <p:txBody>
@@ -2022,8 +2027,8 @@
         </p:nvSpPr>
         <p:spPr>
           <a:xfrm>
-            <a:off x="629841" y="2057400"/>
-            <a:ext cx="2949178" cy="3811588"/>
+            <a:off x="839788" y="2057400"/>
+            <a:ext cx="3932237" cy="3811588"/>
           </a:xfrm>
         </p:spPr>
         <p:txBody>
@@ -2092,7 +2097,7 @@
           <a:p>
             <a:fld id="{118AF882-9C58-8E41-8DB4-7C3CEEEA63E2}" type="datetimeFigureOut">
               <a:rPr lang="en-US" smtClean="0"/>
-              <a:t>6/15/20</a:t>
+              <a:t>6/16/20</a:t>
             </a:fld>
             <a:endParaRPr lang="en-US"/>
           </a:p>
@@ -2182,8 +2187,8 @@
         </p:nvSpPr>
         <p:spPr>
           <a:xfrm>
-            <a:off x="629841" y="457200"/>
-            <a:ext cx="2949178" cy="1600200"/>
+            <a:off x="839788" y="457200"/>
+            <a:ext cx="3932237" cy="1600200"/>
           </a:xfrm>
         </p:spPr>
         <p:txBody>
@@ -2214,8 +2219,8 @@
         </p:nvSpPr>
         <p:spPr>
           <a:xfrm>
-            <a:off x="3887391" y="987426"/>
-            <a:ext cx="4629150" cy="4873625"/>
+            <a:off x="5183188" y="987427"/>
+            <a:ext cx="6172200" cy="4873625"/>
           </a:xfrm>
         </p:spPr>
         <p:txBody>
@@ -2279,8 +2284,8 @@
         </p:nvSpPr>
         <p:spPr>
           <a:xfrm>
-            <a:off x="629841" y="2057400"/>
-            <a:ext cx="2949178" cy="3811588"/>
+            <a:off x="839788" y="2057400"/>
+            <a:ext cx="3932237" cy="3811588"/>
           </a:xfrm>
         </p:spPr>
         <p:txBody>
@@ -2349,7 +2354,7 @@
           <a:p>
             <a:fld id="{118AF882-9C58-8E41-8DB4-7C3CEEEA63E2}" type="datetimeFigureOut">
               <a:rPr lang="en-US" smtClean="0"/>
-              <a:t>6/15/20</a:t>
+              <a:t>6/16/20</a:t>
             </a:fld>
             <a:endParaRPr lang="en-US"/>
           </a:p>
@@ -2444,8 +2449,8 @@
         </p:nvSpPr>
         <p:spPr>
           <a:xfrm>
-            <a:off x="628650" y="365126"/>
-            <a:ext cx="7886700" cy="1325563"/>
+            <a:off x="838200" y="365127"/>
+            <a:ext cx="10515600" cy="1325563"/>
           </a:xfrm>
           <a:prstGeom prst="rect">
             <a:avLst/>
@@ -2477,8 +2482,8 @@
         </p:nvSpPr>
         <p:spPr>
           <a:xfrm>
-            <a:off x="628650" y="1825625"/>
-            <a:ext cx="7886700" cy="4351338"/>
+            <a:off x="838200" y="1825625"/>
+            <a:ext cx="10515600" cy="4351338"/>
           </a:xfrm>
           <a:prstGeom prst="rect">
             <a:avLst/>
@@ -2539,8 +2544,8 @@
         </p:nvSpPr>
         <p:spPr>
           <a:xfrm>
-            <a:off x="628650" y="6356351"/>
-            <a:ext cx="2057400" cy="365125"/>
+            <a:off x="838200" y="6356352"/>
+            <a:ext cx="2743200" cy="365125"/>
           </a:xfrm>
           <a:prstGeom prst="rect">
             <a:avLst/>
@@ -2562,7 +2567,7 @@
           <a:p>
             <a:fld id="{118AF882-9C58-8E41-8DB4-7C3CEEEA63E2}" type="datetimeFigureOut">
               <a:rPr lang="en-US" smtClean="0"/>
-              <a:t>6/15/20</a:t>
+              <a:t>6/16/20</a:t>
             </a:fld>
             <a:endParaRPr lang="en-US"/>
           </a:p>
@@ -2580,8 +2585,8 @@
         </p:nvSpPr>
         <p:spPr>
           <a:xfrm>
-            <a:off x="3028950" y="6356351"/>
-            <a:ext cx="3086100" cy="365125"/>
+            <a:off x="4038600" y="6356352"/>
+            <a:ext cx="4114800" cy="365125"/>
           </a:xfrm>
           <a:prstGeom prst="rect">
             <a:avLst/>
@@ -2617,8 +2622,8 @@
         </p:nvSpPr>
         <p:spPr>
           <a:xfrm>
-            <a:off x="6457950" y="6356351"/>
-            <a:ext cx="2057400" cy="365125"/>
+            <a:off x="8610600" y="6356352"/>
+            <a:ext cx="2743200" cy="365125"/>
           </a:xfrm>
           <a:prstGeom prst="rect">
             <a:avLst/>
@@ -3047,6 +3052,36 @@
           <a:chExt cx="0" cy="0"/>
         </a:xfrm>
       </p:grpSpPr>
+      <p:pic>
+        <p:nvPicPr>
+          <p:cNvPr id="12" name="Picture 11" descr="A close up of a logo&#10;&#10;Description automatically generated">
+            <a:extLst>
+              <a:ext uri="{FF2B5EF4-FFF2-40B4-BE49-F238E27FC236}">
+                <a16:creationId xmlns:a16="http://schemas.microsoft.com/office/drawing/2014/main" id="{D8908189-A954-3D4F-9BC3-B057C0DF5EBD}"/>
+              </a:ext>
+            </a:extLst>
+          </p:cNvPr>
+          <p:cNvPicPr>
+            <a:picLocks noChangeAspect="1"/>
+          </p:cNvPicPr>
+          <p:nvPr/>
+        </p:nvPicPr>
+        <p:blipFill>
+          <a:blip r:embed="rId2"/>
+          <a:stretch>
+            <a:fillRect/>
+          </a:stretch>
+        </p:blipFill>
+        <p:spPr>
+          <a:xfrm>
+            <a:off x="5031152" y="368193"/>
+            <a:ext cx="7160848" cy="6121613"/>
+          </a:xfrm>
+          <a:prstGeom prst="rect">
+            <a:avLst/>
+          </a:prstGeom>
+        </p:spPr>
+      </p:pic>
       <p:grpSp>
         <p:nvGrpSpPr>
           <p:cNvPr id="63" name="Group 62">
@@ -3061,42 +3096,12 @@
         </p:nvGrpSpPr>
         <p:grpSpPr>
           <a:xfrm>
-            <a:off x="705659" y="0"/>
-            <a:ext cx="7732681" cy="6858000"/>
-            <a:chOff x="1672245" y="857250"/>
-            <a:chExt cx="5799510" cy="5143500"/>
+            <a:off x="6157692" y="1493765"/>
+            <a:ext cx="4684876" cy="2663602"/>
+            <a:chOff x="2532029" y="1727689"/>
+            <a:chExt cx="3854725" cy="2339316"/>
           </a:xfrm>
         </p:grpSpPr>
-        <p:pic>
-          <p:nvPicPr>
-            <p:cNvPr id="5" name="Picture 4" descr="A close up of a logo&#10;&#10;Description automatically generated">
-              <a:extLst>
-                <a:ext uri="{FF2B5EF4-FFF2-40B4-BE49-F238E27FC236}">
-                  <a16:creationId xmlns:a16="http://schemas.microsoft.com/office/drawing/2014/main" id="{6500EBF7-755B-CB45-9A06-C75B7A38EDCF}"/>
-                </a:ext>
-              </a:extLst>
-            </p:cNvPr>
-            <p:cNvPicPr>
-              <a:picLocks noChangeAspect="1"/>
-            </p:cNvPicPr>
-            <p:nvPr/>
-          </p:nvPicPr>
-          <p:blipFill>
-            <a:blip r:embed="rId2"/>
-            <a:stretch>
-              <a:fillRect/>
-            </a:stretch>
-          </p:blipFill>
-          <p:spPr>
-            <a:xfrm>
-              <a:off x="1672245" y="857250"/>
-              <a:ext cx="5799510" cy="5143500"/>
-            </a:xfrm>
-            <a:prstGeom prst="rect">
-              <a:avLst/>
-            </a:prstGeom>
-          </p:spPr>
-        </p:pic>
         <p:cxnSp>
           <p:nvCxnSpPr>
             <p:cNvPr id="7" name="Straight Connector 6">
@@ -3113,7 +3118,7 @@
           </p:nvCxnSpPr>
           <p:spPr>
             <a:xfrm>
-              <a:off x="4884784" y="2039889"/>
+              <a:off x="4884784" y="2000715"/>
               <a:ext cx="1480916" cy="0"/>
             </a:xfrm>
             <a:prstGeom prst="line">
@@ -3160,7 +3165,7 @@
           </p:nvCxnSpPr>
           <p:spPr>
             <a:xfrm>
-              <a:off x="4891088" y="2031593"/>
+              <a:off x="4891088" y="2012006"/>
               <a:ext cx="0" cy="505482"/>
             </a:xfrm>
             <a:prstGeom prst="line">
@@ -3677,7 +3682,7 @@
           </p:nvCxnSpPr>
           <p:spPr>
             <a:xfrm flipH="1">
-              <a:off x="5947659" y="3801005"/>
+              <a:off x="5947659" y="3807534"/>
               <a:ext cx="221590" cy="0"/>
             </a:xfrm>
             <a:prstGeom prst="line">
@@ -3724,7 +3729,7 @@
           </p:nvCxnSpPr>
           <p:spPr>
             <a:xfrm flipH="1">
-              <a:off x="6152931" y="4049240"/>
+              <a:off x="6152931" y="4062298"/>
               <a:ext cx="221590" cy="0"/>
             </a:xfrm>
             <a:prstGeom prst="line">
@@ -3771,8 +3776,8 @@
           </p:nvCxnSpPr>
           <p:spPr>
             <a:xfrm>
-              <a:off x="6361661" y="2031593"/>
-              <a:ext cx="8080" cy="2017648"/>
+              <a:off x="6380009" y="2005477"/>
+              <a:ext cx="6745" cy="2061528"/>
             </a:xfrm>
             <a:prstGeom prst="line">
               <a:avLst/>
@@ -3863,7 +3868,7 @@
           </p:nvSpPr>
           <p:spPr>
             <a:xfrm>
-              <a:off x="4873423" y="2066165"/>
+              <a:off x="4873423" y="2048449"/>
               <a:ext cx="216938" cy="216938"/>
             </a:xfrm>
             <a:prstGeom prst="mathMultiply">
@@ -3912,7 +3917,7 @@
           </p:nvSpPr>
           <p:spPr>
             <a:xfrm>
-              <a:off x="6139345" y="2817382"/>
+              <a:off x="6144878" y="2793761"/>
               <a:ext cx="216938" cy="216938"/>
             </a:xfrm>
             <a:prstGeom prst="mathMultiply">
@@ -3961,10 +3966,10 @@
           </p:nvGrpSpPr>
           <p:grpSpPr>
             <a:xfrm>
-              <a:off x="2532030" y="1727689"/>
-              <a:ext cx="1487701" cy="555414"/>
+              <a:off x="2532029" y="1727689"/>
+              <a:ext cx="1534950" cy="555414"/>
               <a:chOff x="9950617" y="1184031"/>
-              <a:chExt cx="1983601" cy="740552"/>
+              <a:chExt cx="2046600" cy="740552"/>
             </a:xfrm>
           </p:grpSpPr>
           <p:sp useBgFill="1">
@@ -4123,8 +4128,8 @@
             </p:nvSpPr>
             <p:spPr>
               <a:xfrm>
-                <a:off x="10330336" y="1582978"/>
-                <a:ext cx="1188915" cy="276999"/>
+                <a:off x="10300120" y="1574418"/>
+                <a:ext cx="1312360" cy="311213"/>
               </a:xfrm>
               <a:prstGeom prst="rect">
                 <a:avLst/>
@@ -4138,7 +4143,7 @@
               <a:lstStyle/>
               <a:p>
                 <a:r>
-                  <a:rPr lang="en-US" sz="1200" dirty="0"/>
+                  <a:rPr lang="en-US" sz="1050" dirty="0"/>
                   <a:t>Original Fishery </a:t>
                 </a:r>
               </a:p>
@@ -4158,8 +4163,8 @@
             </p:nvSpPr>
             <p:spPr>
               <a:xfrm>
-                <a:off x="10329868" y="1312482"/>
-                <a:ext cx="1604350" cy="276999"/>
+                <a:off x="10299653" y="1293058"/>
+                <a:ext cx="1697564" cy="302060"/>
               </a:xfrm>
               <a:prstGeom prst="rect">
                 <a:avLst/>
@@ -4173,7 +4178,7 @@
               <a:lstStyle/>
               <a:p>
                 <a:r>
-                  <a:rPr lang="en-US" sz="1200" dirty="0"/>
+                  <a:rPr lang="en-US" sz="1050" dirty="0"/>
                   <a:t>EEZ of Other Countries</a:t>
                 </a:r>
               </a:p>
@@ -4181,6 +4186,134 @@
           </p:sp>
         </p:grpSp>
       </p:grpSp>
+      <p:pic>
+        <p:nvPicPr>
+          <p:cNvPr id="10" name="Picture 9" descr="A close up of a map&#10;&#10;Description automatically generated">
+            <a:extLst>
+              <a:ext uri="{FF2B5EF4-FFF2-40B4-BE49-F238E27FC236}">
+                <a16:creationId xmlns:a16="http://schemas.microsoft.com/office/drawing/2014/main" id="{3A37E990-2A66-9B40-BF55-FEBDD9F5E631}"/>
+              </a:ext>
+            </a:extLst>
+          </p:cNvPr>
+          <p:cNvPicPr>
+            <a:picLocks noChangeAspect="1"/>
+          </p:cNvPicPr>
+          <p:nvPr/>
+        </p:nvPicPr>
+        <p:blipFill>
+          <a:blip r:embed="rId3"/>
+          <a:stretch>
+            <a:fillRect/>
+          </a:stretch>
+        </p:blipFill>
+        <p:spPr>
+          <a:xfrm>
+            <a:off x="156847" y="667491"/>
+            <a:ext cx="5020924" cy="5523016"/>
+          </a:xfrm>
+          <a:prstGeom prst="rect">
+            <a:avLst/>
+          </a:prstGeom>
+        </p:spPr>
+      </p:pic>
+      <p:sp>
+        <p:nvSpPr>
+          <p:cNvPr id="34" name="Multiply 33">
+            <a:extLst>
+              <a:ext uri="{FF2B5EF4-FFF2-40B4-BE49-F238E27FC236}">
+                <a16:creationId xmlns:a16="http://schemas.microsoft.com/office/drawing/2014/main" id="{F64E4D24-892B-7945-B753-1DB6C947F353}"/>
+              </a:ext>
+            </a:extLst>
+          </p:cNvPr>
+          <p:cNvSpPr/>
+          <p:nvPr/>
+        </p:nvSpPr>
+        <p:spPr>
+          <a:xfrm>
+            <a:off x="2391082" y="2271475"/>
+            <a:ext cx="243148" cy="243148"/>
+          </a:xfrm>
+          <a:prstGeom prst="mathMultiply">
+            <a:avLst/>
+          </a:prstGeom>
+          <a:solidFill>
+            <a:schemeClr val="bg1"/>
+          </a:solidFill>
+        </p:spPr>
+        <p:style>
+          <a:lnRef idx="2">
+            <a:schemeClr val="accent1">
+              <a:shade val="50000"/>
+            </a:schemeClr>
+          </a:lnRef>
+          <a:fillRef idx="1">
+            <a:schemeClr val="accent1"/>
+          </a:fillRef>
+          <a:effectRef idx="0">
+            <a:schemeClr val="accent1"/>
+          </a:effectRef>
+          <a:fontRef idx="minor">
+            <a:schemeClr val="lt1"/>
+          </a:fontRef>
+        </p:style>
+        <p:txBody>
+          <a:bodyPr rtlCol="0" anchor="ctr"/>
+          <a:lstStyle/>
+          <a:p>
+            <a:pPr algn="ctr"/>
+            <a:endParaRPr lang="en-US" sz="1350"/>
+          </a:p>
+        </p:txBody>
+      </p:sp>
+      <p:sp>
+        <p:nvSpPr>
+          <p:cNvPr id="35" name="Multiply 34">
+            <a:extLst>
+              <a:ext uri="{FF2B5EF4-FFF2-40B4-BE49-F238E27FC236}">
+                <a16:creationId xmlns:a16="http://schemas.microsoft.com/office/drawing/2014/main" id="{CFE22DFE-4E9B-7142-8A2E-A0EE88089275}"/>
+              </a:ext>
+            </a:extLst>
+          </p:cNvPr>
+          <p:cNvSpPr/>
+          <p:nvPr/>
+        </p:nvSpPr>
+        <p:spPr>
+          <a:xfrm>
+            <a:off x="3440586" y="2862140"/>
+            <a:ext cx="243148" cy="243148"/>
+          </a:xfrm>
+          <a:prstGeom prst="mathMultiply">
+            <a:avLst/>
+          </a:prstGeom>
+          <a:solidFill>
+            <a:schemeClr val="bg1"/>
+          </a:solidFill>
+        </p:spPr>
+        <p:style>
+          <a:lnRef idx="2">
+            <a:schemeClr val="accent1">
+              <a:shade val="50000"/>
+            </a:schemeClr>
+          </a:lnRef>
+          <a:fillRef idx="1">
+            <a:schemeClr val="accent1"/>
+          </a:fillRef>
+          <a:effectRef idx="0">
+            <a:schemeClr val="accent1"/>
+          </a:effectRef>
+          <a:fontRef idx="minor">
+            <a:schemeClr val="lt1"/>
+          </a:fontRef>
+        </p:style>
+        <p:txBody>
+          <a:bodyPr rtlCol="0" anchor="ctr"/>
+          <a:lstStyle/>
+          <a:p>
+            <a:pPr algn="ctr"/>
+            <a:endParaRPr lang="en-US" sz="1350"/>
+          </a:p>
+        </p:txBody>
+      </p:sp>
     </p:spTree>
     <p:extLst>
       <p:ext uri="{BB962C8B-B14F-4D97-AF65-F5344CB8AC3E}">
